--- a/TerminaleEnsSci/AgendaTerm.pptx
+++ b/TerminaleEnsSci/AgendaTerm.pptx
@@ -105,6 +105,11 @@
       </a:defRPr>
     </a:lvl9pPr>
   </p:defaultTextStyle>
+  <p:extLst>
+    <p:ext uri="{EFAFB233-063F-42B5-8137-9DF3F51BA10A}">
+      <p15:sldGuideLst xmlns:p15="http://schemas.microsoft.com/office/powerpoint/2012/main"/>
+    </p:ext>
+  </p:extLst>
 </p:presentation>
 </file>
 
@@ -257,7 +262,7 @@
           <a:p>
             <a:fld id="{2BC2E294-81F4-43B7-94BC-D7D0AA1FD4DB}" type="datetimeFigureOut">
               <a:rPr lang="fr-FR" smtClean="0"/>
-              <a:t>19/04/2021</a:t>
+              <a:t>27/04/2021</a:t>
             </a:fld>
             <a:endParaRPr lang="fr-FR"/>
           </a:p>
@@ -457,7 +462,7 @@
           <a:p>
             <a:fld id="{2BC2E294-81F4-43B7-94BC-D7D0AA1FD4DB}" type="datetimeFigureOut">
               <a:rPr lang="fr-FR" smtClean="0"/>
-              <a:t>19/04/2021</a:t>
+              <a:t>27/04/2021</a:t>
             </a:fld>
             <a:endParaRPr lang="fr-FR"/>
           </a:p>
@@ -667,7 +672,7 @@
           <a:p>
             <a:fld id="{2BC2E294-81F4-43B7-94BC-D7D0AA1FD4DB}" type="datetimeFigureOut">
               <a:rPr lang="fr-FR" smtClean="0"/>
-              <a:t>19/04/2021</a:t>
+              <a:t>27/04/2021</a:t>
             </a:fld>
             <a:endParaRPr lang="fr-FR"/>
           </a:p>
@@ -867,7 +872,7 @@
           <a:p>
             <a:fld id="{2BC2E294-81F4-43B7-94BC-D7D0AA1FD4DB}" type="datetimeFigureOut">
               <a:rPr lang="fr-FR" smtClean="0"/>
-              <a:t>19/04/2021</a:t>
+              <a:t>27/04/2021</a:t>
             </a:fld>
             <a:endParaRPr lang="fr-FR"/>
           </a:p>
@@ -1143,7 +1148,7 @@
           <a:p>
             <a:fld id="{2BC2E294-81F4-43B7-94BC-D7D0AA1FD4DB}" type="datetimeFigureOut">
               <a:rPr lang="fr-FR" smtClean="0"/>
-              <a:t>19/04/2021</a:t>
+              <a:t>27/04/2021</a:t>
             </a:fld>
             <a:endParaRPr lang="fr-FR"/>
           </a:p>
@@ -1411,7 +1416,7 @@
           <a:p>
             <a:fld id="{2BC2E294-81F4-43B7-94BC-D7D0AA1FD4DB}" type="datetimeFigureOut">
               <a:rPr lang="fr-FR" smtClean="0"/>
-              <a:t>19/04/2021</a:t>
+              <a:t>27/04/2021</a:t>
             </a:fld>
             <a:endParaRPr lang="fr-FR"/>
           </a:p>
@@ -1826,7 +1831,7 @@
           <a:p>
             <a:fld id="{2BC2E294-81F4-43B7-94BC-D7D0AA1FD4DB}" type="datetimeFigureOut">
               <a:rPr lang="fr-FR" smtClean="0"/>
-              <a:t>19/04/2021</a:t>
+              <a:t>27/04/2021</a:t>
             </a:fld>
             <a:endParaRPr lang="fr-FR"/>
           </a:p>
@@ -1968,7 +1973,7 @@
           <a:p>
             <a:fld id="{2BC2E294-81F4-43B7-94BC-D7D0AA1FD4DB}" type="datetimeFigureOut">
               <a:rPr lang="fr-FR" smtClean="0"/>
-              <a:t>19/04/2021</a:t>
+              <a:t>27/04/2021</a:t>
             </a:fld>
             <a:endParaRPr lang="fr-FR"/>
           </a:p>
@@ -2081,7 +2086,7 @@
           <a:p>
             <a:fld id="{2BC2E294-81F4-43B7-94BC-D7D0AA1FD4DB}" type="datetimeFigureOut">
               <a:rPr lang="fr-FR" smtClean="0"/>
-              <a:t>19/04/2021</a:t>
+              <a:t>27/04/2021</a:t>
             </a:fld>
             <a:endParaRPr lang="fr-FR"/>
           </a:p>
@@ -2394,7 +2399,7 @@
           <a:p>
             <a:fld id="{2BC2E294-81F4-43B7-94BC-D7D0AA1FD4DB}" type="datetimeFigureOut">
               <a:rPr lang="fr-FR" smtClean="0"/>
-              <a:t>19/04/2021</a:t>
+              <a:t>27/04/2021</a:t>
             </a:fld>
             <a:endParaRPr lang="fr-FR"/>
           </a:p>
@@ -2683,7 +2688,7 @@
           <a:p>
             <a:fld id="{2BC2E294-81F4-43B7-94BC-D7D0AA1FD4DB}" type="datetimeFigureOut">
               <a:rPr lang="fr-FR" smtClean="0"/>
-              <a:t>19/04/2021</a:t>
+              <a:t>27/04/2021</a:t>
             </a:fld>
             <a:endParaRPr lang="fr-FR"/>
           </a:p>
@@ -2926,7 +2931,7 @@
           <a:p>
             <a:fld id="{2BC2E294-81F4-43B7-94BC-D7D0AA1FD4DB}" type="datetimeFigureOut">
               <a:rPr lang="fr-FR" smtClean="0"/>
-              <a:t>19/04/2021</a:t>
+              <a:t>27/04/2021</a:t>
             </a:fld>
             <a:endParaRPr lang="fr-FR"/>
           </a:p>
